--- a/images/research/图片2.pptx
+++ b/images/research/图片2.pptx
@@ -11,6 +11,7 @@
     <p:sldId id="260" r:id="rId5"/>
     <p:sldId id="261" r:id="rId6"/>
     <p:sldId id="262" r:id="rId7"/>
+    <p:sldId id="263" r:id="rId8"/>
   </p:sldIdLst>
   <p:sldSz cx="12192000" cy="6858000"/>
   <p:notesSz cx="6858000" cy="9144000"/>
@@ -8108,20 +8109,7 @@
                 <a:ea typeface="微软雅黑" panose="020B0503020204020204" pitchFamily="34" charset="-122"/>
                 <a:cs typeface="Microsoft YaHei Light" charset="0"/>
               </a:rPr>
-              <a:t>Outside </a:t>
-            </a:r>
-            <a:r>
-              <a:rPr lang="en-US" altLang="zh-CN" sz="1000" dirty="0" smtClean="0">
-                <a:solidFill>
-                  <a:schemeClr val="accent2">
-                    <a:lumMod val="75000"/>
-                  </a:schemeClr>
-                </a:solidFill>
-                <a:latin typeface="微软雅黑" panose="020B0503020204020204" pitchFamily="34" charset="-122"/>
-                <a:ea typeface="微软雅黑" panose="020B0503020204020204" pitchFamily="34" charset="-122"/>
-                <a:cs typeface="Microsoft YaHei Light" charset="0"/>
-              </a:rPr>
-              <a:t>electric line</a:t>
+              <a:t>Outside electric line</a:t>
             </a:r>
             <a:endParaRPr lang="zh-CN" altLang="en-US" sz="1000" dirty="0">
               <a:solidFill>
@@ -8300,7 +8288,7 @@
           <p:cNvPr id="105" name="图片 104">
             <a:extLst>
               <a:ext uri="{FF2B5EF4-FFF2-40B4-BE49-F238E27FC236}">
-                <a16:creationId xmlns:a16="http://schemas.microsoft.com/office/drawing/2014/main" xmlns="" id="{3EE735B8-4D81-4FAD-9899-F274FA22EAD0}"/>
+                <a16:creationId xmlns="" xmlns:a16="http://schemas.microsoft.com/office/drawing/2014/main" id="{3EE735B8-4D81-4FAD-9899-F274FA22EAD0}"/>
               </a:ext>
             </a:extLst>
           </p:cNvPr>
@@ -8812,7 +8800,7 @@
           </p:cNvPicPr>
           <p:nvPr/>
         </p:nvPicPr>
-        <p:blipFill>
+        <p:blipFill rotWithShape="1">
           <a:blip r:embed="rId2">
             <a:extLst>
               <a:ext uri="{28A0092B-C50C-407E-A947-70E740481C1C}">
@@ -8820,15 +8808,13 @@
               </a:ext>
             </a:extLst>
           </a:blip>
-          <a:srcRect/>
-          <a:stretch>
-            <a:fillRect/>
-          </a:stretch>
+          <a:srcRect l="280"/>
+          <a:stretch/>
         </p:blipFill>
         <p:spPr bwMode="auto">
           <a:xfrm>
-            <a:off x="1931959" y="66153"/>
-            <a:ext cx="8209071" cy="3112606"/>
+            <a:off x="1954924" y="66153"/>
+            <a:ext cx="8186106" cy="3112606"/>
           </a:xfrm>
           <a:prstGeom prst="rect">
             <a:avLst/>
@@ -9229,7 +9215,7 @@
             <a:graphicData uri="http://schemas.openxmlformats.org/presentationml/2006/ole">
               <mc:AlternateContent xmlns:mc="http://schemas.openxmlformats.org/markup-compatibility/2006">
                 <mc:Choice xmlns:v="urn:schemas-microsoft-com:vml" Requires="v">
-                  <p:oleObj spid="_x0000_s5134" name="Equation" r:id="rId5" imgW="1244600" imgH="228600" progId="Equation.DSMT4">
+                  <p:oleObj spid="_x0000_s5140" name="Equation" r:id="rId5" imgW="1244600" imgH="228600" progId="Equation.DSMT4">
                     <p:embed/>
                   </p:oleObj>
                 </mc:Choice>
@@ -9559,7 +9545,7 @@
             <a:graphicData uri="http://schemas.openxmlformats.org/presentationml/2006/ole">
               <mc:AlternateContent xmlns:mc="http://schemas.openxmlformats.org/markup-compatibility/2006">
                 <mc:Choice xmlns:v="urn:schemas-microsoft-com:vml" Requires="v">
-                  <p:oleObj spid="_x0000_s5135" name="Equation" r:id="rId7" imgW="1332921" imgH="177723" progId="Equation.DSMT4">
+                  <p:oleObj spid="_x0000_s5141" name="Equation" r:id="rId7" imgW="1332921" imgH="177723" progId="Equation.DSMT4">
                     <p:embed/>
                   </p:oleObj>
                 </mc:Choice>
@@ -9635,7 +9621,7 @@
             <a:graphicData uri="http://schemas.openxmlformats.org/presentationml/2006/ole">
               <mc:AlternateContent xmlns:mc="http://schemas.openxmlformats.org/markup-compatibility/2006">
                 <mc:Choice xmlns:v="urn:schemas-microsoft-com:vml" Requires="v">
-                  <p:oleObj spid="_x0000_s5136" name="Equation" r:id="rId9" imgW="1828800" imgH="228600" progId="Equation.DSMT4">
+                  <p:oleObj spid="_x0000_s5142" name="Equation" r:id="rId9" imgW="1828800" imgH="228600" progId="Equation.DSMT4">
                     <p:embed/>
                   </p:oleObj>
                 </mc:Choice>
@@ -9702,7 +9688,7 @@
             <a:graphicData uri="http://schemas.openxmlformats.org/presentationml/2006/ole">
               <mc:AlternateContent xmlns:mc="http://schemas.openxmlformats.org/markup-compatibility/2006">
                 <mc:Choice xmlns:v="urn:schemas-microsoft-com:vml" Requires="v">
-                  <p:oleObj spid="_x0000_s5137" name="Equation" r:id="rId11" imgW="1193800" imgH="241300" progId="Equation.DSMT4">
+                  <p:oleObj spid="_x0000_s5143" name="Equation" r:id="rId11" imgW="1193800" imgH="241300" progId="Equation.DSMT4">
                     <p:embed/>
                   </p:oleObj>
                 </mc:Choice>
@@ -9769,7 +9755,7 @@
             <a:graphicData uri="http://schemas.openxmlformats.org/presentationml/2006/ole">
               <mc:AlternateContent xmlns:mc="http://schemas.openxmlformats.org/markup-compatibility/2006">
                 <mc:Choice xmlns:v="urn:schemas-microsoft-com:vml" Requires="v">
-                  <p:oleObj spid="_x0000_s5138" name="Equation" r:id="rId13" imgW="825480" imgH="228600" progId="Equation.DSMT4">
+                  <p:oleObj spid="_x0000_s5144" name="Equation" r:id="rId13" imgW="825480" imgH="228600" progId="Equation.DSMT4">
                     <p:embed/>
                   </p:oleObj>
                 </mc:Choice>
@@ -9839,7 +9825,7 @@
             <a:graphicData uri="http://schemas.openxmlformats.org/presentationml/2006/ole">
               <mc:AlternateContent xmlns:mc="http://schemas.openxmlformats.org/markup-compatibility/2006">
                 <mc:Choice xmlns:v="urn:schemas-microsoft-com:vml" Requires="v">
-                  <p:oleObj spid="_x0000_s5139" name="Equation" r:id="rId15" imgW="711200" imgH="228600" progId="Equation.DSMT4">
+                  <p:oleObj spid="_x0000_s5145" name="Equation" r:id="rId15" imgW="711200" imgH="228600" progId="Equation.DSMT4">
                     <p:embed/>
                   </p:oleObj>
                 </mc:Choice>
@@ -10955,6 +10941,73 @@
 </p:sld>
 </file>
 
+<file path=ppt/slides/slide7.xml><?xml version="1.0" encoding="utf-8"?>
+<p:sld xmlns:a="http://schemas.openxmlformats.org/drawingml/2006/main" xmlns:r="http://schemas.openxmlformats.org/officeDocument/2006/relationships" xmlns:p="http://schemas.openxmlformats.org/presentationml/2006/main">
+  <p:cSld>
+    <p:spTree>
+      <p:nvGrpSpPr>
+        <p:cNvPr id="1" name=""/>
+        <p:cNvGrpSpPr/>
+        <p:nvPr/>
+      </p:nvGrpSpPr>
+      <p:grpSpPr>
+        <a:xfrm>
+          <a:off x="0" y="0"/>
+          <a:ext cx="0" cy="0"/>
+          <a:chOff x="0" y="0"/>
+          <a:chExt cx="0" cy="0"/>
+        </a:xfrm>
+      </p:grpSpPr>
+      <p:pic>
+        <p:nvPicPr>
+          <p:cNvPr id="2" name="图片 1"/>
+          <p:cNvPicPr>
+            <a:picLocks noChangeAspect="1"/>
+          </p:cNvPicPr>
+          <p:nvPr/>
+        </p:nvPicPr>
+        <p:blipFill>
+          <a:blip r:embed="rId2">
+            <a:extLst>
+              <a:ext uri="{28A0092B-C50C-407E-A947-70E740481C1C}">
+                <a14:useLocalDpi xmlns:a14="http://schemas.microsoft.com/office/drawing/2010/main" val="0"/>
+              </a:ext>
+            </a:extLst>
+          </a:blip>
+          <a:stretch>
+            <a:fillRect/>
+          </a:stretch>
+        </p:blipFill>
+        <p:spPr>
+          <a:xfrm>
+            <a:off x="770221" y="477571"/>
+            <a:ext cx="10545479" cy="3793587"/>
+          </a:xfrm>
+          <a:prstGeom prst="rect">
+            <a:avLst/>
+          </a:prstGeom>
+        </p:spPr>
+      </p:pic>
+    </p:spTree>
+    <p:extLst>
+      <p:ext uri="{BB962C8B-B14F-4D97-AF65-F5344CB8AC3E}">
+        <p14:creationId xmlns:p14="http://schemas.microsoft.com/office/powerpoint/2010/main" val="1395466028"/>
+      </p:ext>
+    </p:extLst>
+  </p:cSld>
+  <p:clrMapOvr>
+    <a:masterClrMapping/>
+  </p:clrMapOvr>
+  <p:timing>
+    <p:tnLst>
+      <p:par>
+        <p:cTn id="1" dur="indefinite" restart="never" nodeType="tmRoot"/>
+      </p:par>
+    </p:tnLst>
+  </p:timing>
+</p:sld>
+</file>
+
 <file path=ppt/theme/theme1.xml><?xml version="1.0" encoding="utf-8"?>
 <a:theme xmlns:a="http://schemas.openxmlformats.org/drawingml/2006/main" name="Office 主题">
   <a:themeElements>
